--- a/Presentation.pptx
+++ b/Presentation.pptx
@@ -119,6 +119,11 @@
       </a:defRPr>
     </a:lvl9pPr>
   </p:defaultTextStyle>
+  <p:extLst>
+    <p:ext uri="{EFAFB233-063F-42B5-8137-9DF3F51BA10A}">
+      <p15:sldGuideLst xmlns:p15="http://schemas.microsoft.com/office/powerpoint/2012/main"/>
+    </p:ext>
+  </p:extLst>
 </p:presentation>
 </file>
 
@@ -15834,11 +15839,9 @@
             </a:pPr>
             <a:r>
               <a:rPr lang="en-US" sz="2000" u="sng" dirty="0">
-                <a:effectLst/>
                 <a:latin typeface="Calibri" panose="020F0502020204030204" pitchFamily="34" charset="0"/>
                 <a:ea typeface="Calibri" panose="020F0502020204030204" pitchFamily="34" charset="0"/>
                 <a:cs typeface="Arial" panose="020B0604020202020204" pitchFamily="34" charset="0"/>
-                <a:hlinkClick r:id="rId2"/>
               </a:rPr>
               <a:t>https://getbootstrap.com</a:t>
             </a:r>
@@ -15861,7 +15864,7 @@
               <a:buChar char="-"/>
             </a:pPr>
             <a:r>
-              <a:rPr lang="en-US" sz="2000" u="sng" dirty="0">
+              <a:rPr lang="en-US" sz="2000" dirty="0">
                 <a:latin typeface="Calibri" panose="020F0502020204030204" pitchFamily="34" charset="0"/>
                 <a:ea typeface="Calibri" panose="020F0502020204030204" pitchFamily="34" charset="0"/>
                 <a:cs typeface="Arial" panose="020B0604020202020204" pitchFamily="34" charset="0"/>
